--- a/Java/1/内存示意图.pptx
+++ b/Java/1/内存示意图.pptx
@@ -105,6 +105,11 @@
       </a:defRPr>
     </a:lvl9pPr>
   </p:defaultTextStyle>
+  <p:extLst>
+    <p:ext uri="{EFAFB233-063F-42B5-8137-9DF3F51BA10A}">
+      <p15:sldGuideLst xmlns:p15="http://schemas.microsoft.com/office/powerpoint/2012/main"/>
+    </p:ext>
+  </p:extLst>
 </p:presentation>
 </file>
 
@@ -255,7 +260,7 @@
           <a:p>
             <a:fld id="{59746019-6449-40ED-9E50-178B2B9021F1}" type="datetimeFigureOut">
               <a:rPr lang="zh-CN" altLang="en-US" smtClean="0"/>
-              <a:t>2023/9/10</a:t>
+              <a:t>2023/9/13</a:t>
             </a:fld>
             <a:endParaRPr lang="zh-CN" altLang="en-US"/>
           </a:p>
@@ -453,7 +458,7 @@
           <a:p>
             <a:fld id="{59746019-6449-40ED-9E50-178B2B9021F1}" type="datetimeFigureOut">
               <a:rPr lang="zh-CN" altLang="en-US" smtClean="0"/>
-              <a:t>2023/9/10</a:t>
+              <a:t>2023/9/13</a:t>
             </a:fld>
             <a:endParaRPr lang="zh-CN" altLang="en-US"/>
           </a:p>
@@ -661,7 +666,7 @@
           <a:p>
             <a:fld id="{59746019-6449-40ED-9E50-178B2B9021F1}" type="datetimeFigureOut">
               <a:rPr lang="zh-CN" altLang="en-US" smtClean="0"/>
-              <a:t>2023/9/10</a:t>
+              <a:t>2023/9/13</a:t>
             </a:fld>
             <a:endParaRPr lang="zh-CN" altLang="en-US"/>
           </a:p>
@@ -859,7 +864,7 @@
           <a:p>
             <a:fld id="{59746019-6449-40ED-9E50-178B2B9021F1}" type="datetimeFigureOut">
               <a:rPr lang="zh-CN" altLang="en-US" smtClean="0"/>
-              <a:t>2023/9/10</a:t>
+              <a:t>2023/9/13</a:t>
             </a:fld>
             <a:endParaRPr lang="zh-CN" altLang="en-US"/>
           </a:p>
@@ -1134,7 +1139,7 @@
           <a:p>
             <a:fld id="{59746019-6449-40ED-9E50-178B2B9021F1}" type="datetimeFigureOut">
               <a:rPr lang="zh-CN" altLang="en-US" smtClean="0"/>
-              <a:t>2023/9/10</a:t>
+              <a:t>2023/9/13</a:t>
             </a:fld>
             <a:endParaRPr lang="zh-CN" altLang="en-US"/>
           </a:p>
@@ -1399,7 +1404,7 @@
           <a:p>
             <a:fld id="{59746019-6449-40ED-9E50-178B2B9021F1}" type="datetimeFigureOut">
               <a:rPr lang="zh-CN" altLang="en-US" smtClean="0"/>
-              <a:t>2023/9/10</a:t>
+              <a:t>2023/9/13</a:t>
             </a:fld>
             <a:endParaRPr lang="zh-CN" altLang="en-US"/>
           </a:p>
@@ -1811,7 +1816,7 @@
           <a:p>
             <a:fld id="{59746019-6449-40ED-9E50-178B2B9021F1}" type="datetimeFigureOut">
               <a:rPr lang="zh-CN" altLang="en-US" smtClean="0"/>
-              <a:t>2023/9/10</a:t>
+              <a:t>2023/9/13</a:t>
             </a:fld>
             <a:endParaRPr lang="zh-CN" altLang="en-US"/>
           </a:p>
@@ -1952,7 +1957,7 @@
           <a:p>
             <a:fld id="{59746019-6449-40ED-9E50-178B2B9021F1}" type="datetimeFigureOut">
               <a:rPr lang="zh-CN" altLang="en-US" smtClean="0"/>
-              <a:t>2023/9/10</a:t>
+              <a:t>2023/9/13</a:t>
             </a:fld>
             <a:endParaRPr lang="zh-CN" altLang="en-US"/>
           </a:p>
@@ -2065,7 +2070,7 @@
           <a:p>
             <a:fld id="{59746019-6449-40ED-9E50-178B2B9021F1}" type="datetimeFigureOut">
               <a:rPr lang="zh-CN" altLang="en-US" smtClean="0"/>
-              <a:t>2023/9/10</a:t>
+              <a:t>2023/9/13</a:t>
             </a:fld>
             <a:endParaRPr lang="zh-CN" altLang="en-US"/>
           </a:p>
@@ -2376,7 +2381,7 @@
           <a:p>
             <a:fld id="{59746019-6449-40ED-9E50-178B2B9021F1}" type="datetimeFigureOut">
               <a:rPr lang="zh-CN" altLang="en-US" smtClean="0"/>
-              <a:t>2023/9/10</a:t>
+              <a:t>2023/9/13</a:t>
             </a:fld>
             <a:endParaRPr lang="zh-CN" altLang="en-US"/>
           </a:p>
@@ -2664,7 +2669,7 @@
           <a:p>
             <a:fld id="{59746019-6449-40ED-9E50-178B2B9021F1}" type="datetimeFigureOut">
               <a:rPr lang="zh-CN" altLang="en-US" smtClean="0"/>
-              <a:t>2023/9/10</a:t>
+              <a:t>2023/9/13</a:t>
             </a:fld>
             <a:endParaRPr lang="zh-CN" altLang="en-US"/>
           </a:p>
@@ -2905,7 +2910,7 @@
           <a:p>
             <a:fld id="{59746019-6449-40ED-9E50-178B2B9021F1}" type="datetimeFigureOut">
               <a:rPr lang="zh-CN" altLang="en-US" smtClean="0"/>
-              <a:t>2023/9/10</a:t>
+              <a:t>2023/9/13</a:t>
             </a:fld>
             <a:endParaRPr lang="zh-CN" altLang="en-US"/>
           </a:p>
@@ -5411,8 +5416,8 @@
         </p:nvSpPr>
         <p:spPr>
           <a:xfrm>
-            <a:off x="5124043" y="1607127"/>
-            <a:ext cx="3124030" cy="548409"/>
+            <a:off x="5124043" y="1340239"/>
+            <a:ext cx="3188684" cy="2066354"/>
           </a:xfrm>
           <a:prstGeom prst="roundRect">
             <a:avLst/>
@@ -5449,42 +5454,6 @@
           </a:p>
         </p:txBody>
       </p:sp>
-      <p:sp>
-        <p:nvSpPr>
-          <p:cNvPr id="35" name="文本框 34">
-            <a:extLst>
-              <a:ext uri="{FF2B5EF4-FFF2-40B4-BE49-F238E27FC236}">
-                <a16:creationId xmlns:a16="http://schemas.microsoft.com/office/drawing/2014/main" id="{C3A40851-BD45-029F-E6A4-02B2F9D983D1}"/>
-              </a:ext>
-            </a:extLst>
-          </p:cNvPr>
-          <p:cNvSpPr txBox="1"/>
-          <p:nvPr/>
-        </p:nvSpPr>
-        <p:spPr>
-          <a:xfrm>
-            <a:off x="6018840" y="1696665"/>
-            <a:ext cx="894797" cy="369332"/>
-          </a:xfrm>
-          <a:prstGeom prst="rect">
-            <a:avLst/>
-          </a:prstGeom>
-          <a:noFill/>
-        </p:spPr>
-        <p:txBody>
-          <a:bodyPr wrap="none" rtlCol="0">
-            <a:spAutoFit/>
-          </a:bodyPr>
-          <a:lstStyle/>
-          <a:p>
-            <a:r>
-              <a:rPr lang="en-US" altLang="zh-CN" dirty="0"/>
-              <a:t>0x1234</a:t>
-            </a:r>
-            <a:endParaRPr lang="zh-CN" altLang="en-US" dirty="0"/>
-          </a:p>
-        </p:txBody>
-      </p:sp>
       <p:cxnSp>
         <p:nvCxnSpPr>
           <p:cNvPr id="36" name="直接箭头连接符 35">
@@ -5527,6 +5496,124 @@
           </a:fontRef>
         </p:style>
       </p:cxnSp>
+      <p:sp>
+        <p:nvSpPr>
+          <p:cNvPr id="2" name="矩形: 圆角 1">
+            <a:extLst>
+              <a:ext uri="{FF2B5EF4-FFF2-40B4-BE49-F238E27FC236}">
+                <a16:creationId xmlns:a16="http://schemas.microsoft.com/office/drawing/2014/main" id="{7275345A-3173-6D73-291C-A102E8FF8E19}"/>
+              </a:ext>
+            </a:extLst>
+          </p:cNvPr>
+          <p:cNvSpPr/>
+          <p:nvPr/>
+        </p:nvSpPr>
+        <p:spPr>
+          <a:xfrm>
+            <a:off x="5724300" y="1630654"/>
+            <a:ext cx="1732498" cy="453881"/>
+          </a:xfrm>
+          <a:prstGeom prst="roundRect">
+            <a:avLst/>
+          </a:prstGeom>
+        </p:spPr>
+        <p:style>
+          <a:lnRef idx="2">
+            <a:schemeClr val="accent1">
+              <a:shade val="15000"/>
+            </a:schemeClr>
+          </a:lnRef>
+          <a:fillRef idx="1">
+            <a:schemeClr val="accent1"/>
+          </a:fillRef>
+          <a:effectRef idx="0">
+            <a:schemeClr val="accent1"/>
+          </a:effectRef>
+          <a:fontRef idx="minor">
+            <a:schemeClr val="lt1"/>
+          </a:fontRef>
+        </p:style>
+        <p:txBody>
+          <a:bodyPr rtlCol="0" anchor="ctr"/>
+          <a:lstStyle/>
+          <a:p>
+            <a:pPr algn="ctr"/>
+            <a:endParaRPr lang="zh-CN" altLang="en-US"/>
+          </a:p>
+        </p:txBody>
+      </p:sp>
+      <p:sp>
+        <p:nvSpPr>
+          <p:cNvPr id="35" name="文本框 34">
+            <a:extLst>
+              <a:ext uri="{FF2B5EF4-FFF2-40B4-BE49-F238E27FC236}">
+                <a16:creationId xmlns:a16="http://schemas.microsoft.com/office/drawing/2014/main" id="{C3A40851-BD45-029F-E6A4-02B2F9D983D1}"/>
+              </a:ext>
+            </a:extLst>
+          </p:cNvPr>
+          <p:cNvSpPr txBox="1"/>
+          <p:nvPr/>
+        </p:nvSpPr>
+        <p:spPr>
+          <a:xfrm>
+            <a:off x="6143150" y="1667224"/>
+            <a:ext cx="894797" cy="369332"/>
+          </a:xfrm>
+          <a:prstGeom prst="rect">
+            <a:avLst/>
+          </a:prstGeom>
+          <a:noFill/>
+        </p:spPr>
+        <p:txBody>
+          <a:bodyPr wrap="none" rtlCol="0">
+            <a:spAutoFit/>
+          </a:bodyPr>
+          <a:lstStyle/>
+          <a:p>
+            <a:r>
+              <a:rPr lang="en-US" altLang="zh-CN" dirty="0"/>
+              <a:t>0x1234</a:t>
+            </a:r>
+            <a:endParaRPr lang="zh-CN" altLang="en-US" dirty="0"/>
+          </a:p>
+        </p:txBody>
+      </p:sp>
+      <p:sp>
+        <p:nvSpPr>
+          <p:cNvPr id="3" name="文本框 2">
+            <a:extLst>
+              <a:ext uri="{FF2B5EF4-FFF2-40B4-BE49-F238E27FC236}">
+                <a16:creationId xmlns:a16="http://schemas.microsoft.com/office/drawing/2014/main" id="{C1A8B7A7-13E6-A697-224B-F7C40AA28467}"/>
+              </a:ext>
+            </a:extLst>
+          </p:cNvPr>
+          <p:cNvSpPr txBox="1"/>
+          <p:nvPr/>
+        </p:nvSpPr>
+        <p:spPr>
+          <a:xfrm>
+            <a:off x="5226279" y="1400567"/>
+            <a:ext cx="704039" cy="369332"/>
+          </a:xfrm>
+          <a:prstGeom prst="rect">
+            <a:avLst/>
+          </a:prstGeom>
+          <a:noFill/>
+        </p:spPr>
+        <p:txBody>
+          <a:bodyPr wrap="none" rtlCol="0">
+            <a:spAutoFit/>
+          </a:bodyPr>
+          <a:lstStyle/>
+          <a:p>
+            <a:r>
+              <a:rPr lang="en-US" altLang="zh-CN" dirty="0"/>
+              <a:t>value</a:t>
+            </a:r>
+            <a:endParaRPr lang="zh-CN" altLang="en-US" dirty="0"/>
+          </a:p>
+        </p:txBody>
+      </p:sp>
     </p:spTree>
     <p:extLst>
       <p:ext uri="{BB962C8B-B14F-4D97-AF65-F5344CB8AC3E}">
